--- a/Week 13 Homework 1_CS572_Nabil_Shirajus_Salekin_19889.pptx
+++ b/Week 13 Homework 1_CS572_Nabil_Shirajus_Salekin_19889.pptx
@@ -1223,7 +1223,7 @@
   <p:cSld>
     <p:spTree>
       <p:nvGrpSpPr>
-        <p:cNvPr id="417" name="Shape 417"/>
+        <p:cNvPr id="416" name="Shape 416"/>
         <p:cNvGrpSpPr/>
         <p:nvPr/>
       </p:nvGrpSpPr>
@@ -1237,7 +1237,7 @@
       </p:grpSpPr>
       <p:sp>
         <p:nvSpPr>
-          <p:cNvPr id="418" name="Google Shape;418;g31ae88dc9fa_0_545:notes"/>
+          <p:cNvPr id="417" name="Google Shape;417;g31ae88dc9fa_0_545:notes"/>
           <p:cNvSpPr/>
           <p:nvPr>
             <p:ph idx="2" type="sldImg"/>
@@ -1272,7 +1272,7 @@
       </p:sp>
       <p:sp>
         <p:nvSpPr>
-          <p:cNvPr id="419" name="Google Shape;419;g31ae88dc9fa_0_545:notes"/>
+          <p:cNvPr id="418" name="Google Shape;418;g31ae88dc9fa_0_545:notes"/>
           <p:cNvSpPr txBox="1"/>
           <p:nvPr>
             <p:ph idx="1" type="body"/>
@@ -1322,7 +1322,7 @@
   <p:cSld>
     <p:spTree>
       <p:nvGrpSpPr>
-        <p:cNvPr id="426" name="Shape 426"/>
+        <p:cNvPr id="425" name="Shape 425"/>
         <p:cNvGrpSpPr/>
         <p:nvPr/>
       </p:nvGrpSpPr>
@@ -1336,7 +1336,7 @@
       </p:grpSpPr>
       <p:sp>
         <p:nvSpPr>
-          <p:cNvPr id="427" name="Google Shape;427;g31ae88dc9fa_0_555:notes"/>
+          <p:cNvPr id="426" name="Google Shape;426;g31ae88dc9fa_0_555:notes"/>
           <p:cNvSpPr/>
           <p:nvPr>
             <p:ph idx="2" type="sldImg"/>
@@ -1371,7 +1371,7 @@
       </p:sp>
       <p:sp>
         <p:nvSpPr>
-          <p:cNvPr id="428" name="Google Shape;428;g31ae88dc9fa_0_555:notes"/>
+          <p:cNvPr id="427" name="Google Shape;427;g31ae88dc9fa_0_555:notes"/>
           <p:cNvSpPr txBox="1"/>
           <p:nvPr>
             <p:ph idx="1" type="body"/>
@@ -30068,46 +30068,6 @@
           <p:cNvPr id="411" name="Google Shape;411;p54"/>
           <p:cNvSpPr txBox="1"/>
           <p:nvPr>
-            <p:ph idx="2" type="title"/>
-          </p:nvPr>
-        </p:nvSpPr>
-        <p:spPr>
-          <a:xfrm>
-            <a:off x="7234267" y="164380"/>
-            <a:ext cx="1647300" cy="238200"/>
-          </a:xfrm>
-          <a:prstGeom prst="rect">
-            <a:avLst/>
-          </a:prstGeom>
-        </p:spPr>
-        <p:txBody>
-          <a:bodyPr anchorCtr="0" anchor="ctr" bIns="91425" lIns="91425" spcFirstLastPara="1" rIns="91425" wrap="square" tIns="91425">
-            <a:noAutofit/>
-          </a:bodyPr>
-          <a:lstStyle/>
-          <a:p>
-            <a:pPr indent="0" lvl="0" marL="0" rtl="0" algn="r">
-              <a:spcBef>
-                <a:spcPts val="0"/>
-              </a:spcBef>
-              <a:spcAft>
-                <a:spcPts val="0"/>
-              </a:spcAft>
-              <a:buNone/>
-            </a:pPr>
-            <a:r>
-              <a:rPr lang="en"/>
-              <a:t>PRODUCT OVERVIEW</a:t>
-            </a:r>
-            <a:endParaRPr/>
-          </a:p>
-        </p:txBody>
-      </p:sp>
-      <p:sp>
-        <p:nvSpPr>
-          <p:cNvPr id="412" name="Google Shape;412;p54"/>
-          <p:cNvSpPr txBox="1"/>
-          <p:nvPr>
             <p:ph idx="1" type="body"/>
           </p:nvPr>
         </p:nvSpPr>
@@ -30161,7 +30121,7 @@
       </p:sp>
       <p:sp>
         <p:nvSpPr>
-          <p:cNvPr id="413" name="Google Shape;413;p54"/>
+          <p:cNvPr id="412" name="Google Shape;412;p54"/>
           <p:cNvSpPr txBox="1"/>
           <p:nvPr>
             <p:ph idx="3" type="body"/>
@@ -30206,7 +30166,7 @@
       </p:sp>
       <p:sp>
         <p:nvSpPr>
-          <p:cNvPr id="414" name="Google Shape;414;p54"/>
+          <p:cNvPr id="413" name="Google Shape;413;p54"/>
           <p:cNvSpPr txBox="1"/>
           <p:nvPr>
             <p:ph idx="4" type="body"/>
@@ -30251,7 +30211,7 @@
       </p:sp>
       <p:sp>
         <p:nvSpPr>
-          <p:cNvPr id="415" name="Google Shape;415;p54"/>
+          <p:cNvPr id="414" name="Google Shape;414;p54"/>
           <p:cNvSpPr txBox="1"/>
           <p:nvPr>
             <p:ph idx="5" type="body"/>
@@ -30296,7 +30256,7 @@
       </p:sp>
       <p:sp>
         <p:nvSpPr>
-          <p:cNvPr id="416" name="Google Shape;416;p54"/>
+          <p:cNvPr id="415" name="Google Shape;415;p54"/>
           <p:cNvSpPr txBox="1"/>
           <p:nvPr>
             <p:ph type="title"/>
@@ -30304,7 +30264,7 @@
         </p:nvSpPr>
         <p:spPr>
           <a:xfrm>
-            <a:off x="6855850" y="164375"/>
+            <a:off x="6844925" y="164375"/>
             <a:ext cx="2272500" cy="238200"/>
           </a:xfrm>
           <a:prstGeom prst="rect">
@@ -30347,7 +30307,7 @@
   <p:cSld>
     <p:spTree>
       <p:nvGrpSpPr>
-        <p:cNvPr id="420" name="Shape 420"/>
+        <p:cNvPr id="419" name="Shape 419"/>
         <p:cNvGrpSpPr/>
         <p:nvPr/>
       </p:nvGrpSpPr>
@@ -30361,7 +30321,7 @@
       </p:grpSpPr>
       <p:sp>
         <p:nvSpPr>
-          <p:cNvPr id="421" name="Google Shape;421;p55"/>
+          <p:cNvPr id="420" name="Google Shape;420;p55"/>
           <p:cNvSpPr txBox="1"/>
           <p:nvPr>
             <p:ph type="title"/>
@@ -30401,7 +30361,7 @@
       </p:sp>
       <p:sp>
         <p:nvSpPr>
-          <p:cNvPr id="422" name="Google Shape;422;p55"/>
+          <p:cNvPr id="421" name="Google Shape;421;p55"/>
           <p:cNvSpPr txBox="1"/>
           <p:nvPr>
             <p:ph idx="1" type="body"/>
@@ -30533,7 +30493,7 @@
       </p:sp>
       <p:sp>
         <p:nvSpPr>
-          <p:cNvPr id="423" name="Google Shape;423;p55"/>
+          <p:cNvPr id="422" name="Google Shape;422;p55"/>
           <p:cNvSpPr txBox="1"/>
           <p:nvPr>
             <p:ph idx="3" type="body"/>
@@ -30705,7 +30665,7 @@
       </p:sp>
       <p:sp>
         <p:nvSpPr>
-          <p:cNvPr id="424" name="Google Shape;424;p55"/>
+          <p:cNvPr id="423" name="Google Shape;423;p55"/>
           <p:cNvSpPr/>
           <p:nvPr/>
         </p:nvSpPr>
@@ -30779,7 +30739,7 @@
       </p:sp>
       <p:sp>
         <p:nvSpPr>
-          <p:cNvPr id="425" name="Google Shape;425;p55"/>
+          <p:cNvPr id="424" name="Google Shape;424;p55"/>
           <p:cNvSpPr txBox="1"/>
           <p:nvPr>
             <p:ph type="title"/>
@@ -30838,7 +30798,7 @@
   <p:cSld>
     <p:spTree>
       <p:nvGrpSpPr>
-        <p:cNvPr id="429" name="Shape 429"/>
+        <p:cNvPr id="428" name="Shape 428"/>
         <p:cNvGrpSpPr/>
         <p:nvPr/>
       </p:nvGrpSpPr>
@@ -30852,7 +30812,7 @@
       </p:grpSpPr>
       <p:sp>
         <p:nvSpPr>
-          <p:cNvPr id="430" name="Google Shape;430;p56"/>
+          <p:cNvPr id="429" name="Google Shape;429;p56"/>
           <p:cNvSpPr txBox="1"/>
           <p:nvPr>
             <p:ph idx="4" type="title"/>
@@ -30892,7 +30852,7 @@
       </p:sp>
       <p:sp>
         <p:nvSpPr>
-          <p:cNvPr id="431" name="Google Shape;431;p56"/>
+          <p:cNvPr id="430" name="Google Shape;430;p56"/>
           <p:cNvSpPr txBox="1"/>
           <p:nvPr>
             <p:ph idx="1" type="body"/>
@@ -30932,7 +30892,7 @@
       </p:sp>
       <p:pic>
         <p:nvPicPr>
-          <p:cNvPr id="432" name="Google Shape;432;p56"/>
+          <p:cNvPr id="431" name="Google Shape;431;p56"/>
           <p:cNvPicPr preferRelativeResize="0"/>
           <p:nvPr/>
         </p:nvPicPr>
